--- a/Equip_B/results/S4_Presentacion_Finanzas.pptx
+++ b/Equip_B/results/S4_Presentacion_Finanzas.pptx
@@ -250,7 +250,7 @@
             <a:pPr rtl="0"/>
             <a:fld id="{75725A15-8D86-497D-8EAD-2EB1176C54F6}" type="datetime1">
               <a:rPr lang="es-ES" smtClean="0"/>
-              <a:t>03/11/2024</a:t>
+              <a:t>04/11/2024</a:t>
             </a:fld>
             <a:endParaRPr lang="es-ES"/>
           </a:p>
@@ -432,7 +432,7 @@
             <a:fld id="{B958D509-07EE-4A09-900B-403023880868}" type="datetime1">
               <a:rPr lang="es-ES" smtClean="0"/>
               <a:pPr/>
-              <a:t>03/11/2024</a:t>
+              <a:t>04/11/2024</a:t>
             </a:fld>
             <a:endParaRPr lang="es-ES" dirty="0"/>
           </a:p>
@@ -7776,7 +7776,7 @@
                   <a:schemeClr val="accent2"/>
                 </a:solidFill>
               </a:rPr>
-              <a:t>03/11/2024</a:t>
+              <a:t>04/11/2024</a:t>
             </a:fld>
             <a:endParaRPr lang="es-ES" sz="1100" noProof="0" dirty="0">
               <a:solidFill>
@@ -9045,11 +9045,15 @@
           <a:p>
             <a:r>
               <a:rPr lang="es-ES" sz="2000" noProof="0" dirty="0"/>
-              <a:t>¿Qué combinaciones de características demográficas (como edad, nivel educativo i ocupación) son más comunes entre los clientes que utilizan múltiples productos financieros del banco: loan, hipoteca, depósito</a:t>
+              <a:t>¿Cómo afecta el saldo medio al riesgo de incumplimiento en diferentes grupos de edad y ocupación</a:t>
+            </a:r>
+            <a:r>
+              <a:rPr lang="es-ES" sz="2000" dirty="0"/>
+              <a:t> y qué cambios recomiendan para nuestras políticas de crédito basadas en estos resultados</a:t>
             </a:r>
             <a:r>
               <a:rPr lang="es-ES" noProof="0" dirty="0"/>
-              <a:t>? </a:t>
+              <a:t>?</a:t>
             </a:r>
             <a:endParaRPr lang="es-ES" sz="2000" noProof="0" dirty="0"/>
           </a:p>
@@ -9085,9 +9089,17 @@
           <a:p>
             <a:pPr rtl="0"/>
             <a:r>
-              <a:rPr lang="es-ES" dirty="0"/>
-              <a:t>Análisis del Perfil de Cliente</a:t>
-            </a:r>
+              <a:rPr lang="es-ES" sz="4800" dirty="0"/>
+              <a:t>Análisis de Finanzas y </a:t>
+            </a:r>
+            <a:br>
+              <a:rPr lang="es-ES" sz="4800" dirty="0"/>
+            </a:br>
+            <a:r>
+              <a:rPr lang="es-ES" sz="4800" dirty="0"/>
+              <a:t>Riesgo Crediticio</a:t>
+            </a:r>
+            <a:endParaRPr lang="es-ES" dirty="0"/>
           </a:p>
         </p:txBody>
       </p:sp>
@@ -9287,8 +9299,8 @@
           </a:p>
         </p:txBody>
       </p:sp>
-      <mc:AlternateContent xmlns:mc="http://schemas.openxmlformats.org/markup-compatibility/2006">
-        <mc:Choice xmlns:we="http://schemas.microsoft.com/office/webextensions/webextension/2010/11" xmlns:pca="http://schemas.microsoft.com/office/powerpoint/2013/contentapp" Requires="we pca">
+      <mc:AlternateContent xmlns:mc="http://schemas.openxmlformats.org/markup-compatibility/2006" xmlns:we="http://schemas.microsoft.com/office/webextensions/webextension/2010/11" xmlns:pca="http://schemas.microsoft.com/office/powerpoint/2013/contentapp">
+        <mc:Choice Requires="we pca">
           <p:graphicFrame>
             <p:nvGraphicFramePr>
               <p:cNvPr id="4" name="Complemento 3">
@@ -9320,7 +9332,7 @@
             </a:graphic>
           </p:graphicFrame>
         </mc:Choice>
-        <mc:Fallback>
+        <mc:Fallback xmlns="">
           <p:pic>
             <p:nvPicPr>
               <p:cNvPr id="4" name="Complemento 3">
@@ -9603,8 +9615,8 @@
           </a:p>
         </p:txBody>
       </p:sp>
-      <mc:AlternateContent xmlns:mc="http://schemas.openxmlformats.org/markup-compatibility/2006">
-        <mc:Choice xmlns:we="http://schemas.microsoft.com/office/webextensions/webextension/2010/11" xmlns:pca="http://schemas.microsoft.com/office/powerpoint/2013/contentapp" Requires="we pca">
+      <mc:AlternateContent xmlns:mc="http://schemas.openxmlformats.org/markup-compatibility/2006" xmlns:we="http://schemas.microsoft.com/office/webextensions/webextension/2010/11" xmlns:pca="http://schemas.microsoft.com/office/powerpoint/2013/contentapp">
+        <mc:Choice Requires="we pca">
           <p:graphicFrame>
             <p:nvGraphicFramePr>
               <p:cNvPr id="2" name="Complemento 1">
@@ -9636,7 +9648,7 @@
             </a:graphic>
           </p:graphicFrame>
         </mc:Choice>
-        <mc:Fallback>
+        <mc:Fallback xmlns="">
           <p:pic>
             <p:nvPicPr>
               <p:cNvPr id="2" name="Complemento 1">
@@ -9813,8 +9825,8 @@
           <a:chExt cx="0" cy="0"/>
         </a:xfrm>
       </p:grpSpPr>
-      <mc:AlternateContent xmlns:mc="http://schemas.openxmlformats.org/markup-compatibility/2006">
-        <mc:Choice xmlns:we="http://schemas.microsoft.com/office/webextensions/webextension/2010/11" xmlns:pca="http://schemas.microsoft.com/office/powerpoint/2013/contentapp" Requires="we pca">
+      <mc:AlternateContent xmlns:mc="http://schemas.openxmlformats.org/markup-compatibility/2006" xmlns:we="http://schemas.microsoft.com/office/webextensions/webextension/2010/11" xmlns:pca="http://schemas.microsoft.com/office/powerpoint/2013/contentapp">
+        <mc:Choice Requires="we pca">
           <p:graphicFrame>
             <p:nvGraphicFramePr>
               <p:cNvPr id="15" name="Complemento 14">
@@ -9846,7 +9858,7 @@
             </a:graphic>
           </p:graphicFrame>
         </mc:Choice>
-        <mc:Fallback>
+        <mc:Fallback xmlns="">
           <p:pic>
             <p:nvPicPr>
               <p:cNvPr id="15" name="Complemento 14">
@@ -13103,15 +13115,6 @@
 </file>
 
 <file path=customXml/item1.xml><?xml version="1.0" encoding="utf-8"?>
-<p:properties xmlns:p="http://schemas.microsoft.com/office/2006/metadata/properties" xmlns:xsi="http://www.w3.org/2001/XMLSchema-instance" xmlns:pc="http://schemas.microsoft.com/office/infopath/2007/PartnerControls">
-  <documentManagement>
-    <Status xmlns="71af3243-3dd4-4a8d-8c0d-dd76da1f02a5">Not started</Status>
-    <MediaServiceKeyPoints xmlns="71af3243-3dd4-4a8d-8c0d-dd76da1f02a5" xsi:nil="true"/>
-  </documentManagement>
-</p:properties>
-</file>
-
-<file path=customXml/item2.xml><?xml version="1.0" encoding="utf-8"?>
 <ct:contentTypeSchema xmlns:ct="http://schemas.microsoft.com/office/2006/metadata/contentType" xmlns:ma="http://schemas.microsoft.com/office/2006/metadata/properties/metaAttributes" ct:_="" ma:_="" ma:contentTypeName="Document" ma:contentTypeID="0x01010079F111ED35F8CC479449609E8A0923A6" ma:contentTypeVersion="12" ma:contentTypeDescription="Create a new document." ma:contentTypeScope="" ma:versionID="426e97fa315356fffbdcd9876fe988c2">
   <xsd:schema xmlns:xsd="http://www.w3.org/2001/XMLSchema" xmlns:xs="http://www.w3.org/2001/XMLSchema" xmlns:p="http://schemas.microsoft.com/office/2006/metadata/properties" xmlns:ns2="71af3243-3dd4-4a8d-8c0d-dd76da1f02a5" xmlns:ns3="16c05727-aa75-4e4a-9b5f-8a80a1165891" targetNamespace="http://schemas.microsoft.com/office/2006/metadata/properties" ma:root="true" ma:fieldsID="14b8f0def80e6d70ce3def20c90759ae" ns2:_="" ns3:_="">
     <xsd:import namespace="71af3243-3dd4-4a8d-8c0d-dd76da1f02a5"/>
@@ -13332,6 +13335,15 @@
 </ct:contentTypeSchema>
 </file>
 
+<file path=customXml/item2.xml><?xml version="1.0" encoding="utf-8"?>
+<p:properties xmlns:p="http://schemas.microsoft.com/office/2006/metadata/properties" xmlns:xsi="http://www.w3.org/2001/XMLSchema-instance" xmlns:pc="http://schemas.microsoft.com/office/infopath/2007/PartnerControls">
+  <documentManagement>
+    <Status xmlns="71af3243-3dd4-4a8d-8c0d-dd76da1f02a5">Not started</Status>
+    <MediaServiceKeyPoints xmlns="71af3243-3dd4-4a8d-8c0d-dd76da1f02a5" xsi:nil="true"/>
+  </documentManagement>
+</p:properties>
+</file>
+
 <file path=customXml/item3.xml><?xml version="1.0" encoding="utf-8"?>
 <?mso-contentType ?>
 <FormTemplates xmlns="http://schemas.microsoft.com/sharepoint/v3/contenttype/forms">
@@ -13342,16 +13354,6 @@
 </file>
 
 <file path=customXml/itemProps1.xml><?xml version="1.0" encoding="utf-8"?>
-<ds:datastoreItem xmlns:ds="http://schemas.openxmlformats.org/officeDocument/2006/customXml" ds:itemID="{4DEA9014-ED64-4558-B1E1-D03F0EE32BEB}">
-  <ds:schemaRefs>
-    <ds:schemaRef ds:uri="http://schemas.microsoft.com/office/2006/metadata/properties"/>
-    <ds:schemaRef ds:uri="http://schemas.microsoft.com/office/infopath/2007/PartnerControls"/>
-    <ds:schemaRef ds:uri="71af3243-3dd4-4a8d-8c0d-dd76da1f02a5"/>
-  </ds:schemaRefs>
-</ds:datastoreItem>
-</file>
-
-<file path=customXml/itemProps2.xml><?xml version="1.0" encoding="utf-8"?>
 <ds:datastoreItem xmlns:ds="http://schemas.openxmlformats.org/officeDocument/2006/customXml" ds:itemID="{B19EB750-A6DA-4BE8-B87B-FC499FE73360}">
   <ds:schemaRefs>
     <ds:schemaRef ds:uri="http://schemas.microsoft.com/office/2006/metadata/contentType"/>
@@ -13370,6 +13372,16 @@
 </ds:datastoreItem>
 </file>
 
+<file path=customXml/itemProps2.xml><?xml version="1.0" encoding="utf-8"?>
+<ds:datastoreItem xmlns:ds="http://schemas.openxmlformats.org/officeDocument/2006/customXml" ds:itemID="{4DEA9014-ED64-4558-B1E1-D03F0EE32BEB}">
+  <ds:schemaRefs>
+    <ds:schemaRef ds:uri="http://schemas.microsoft.com/office/2006/metadata/properties"/>
+    <ds:schemaRef ds:uri="http://schemas.microsoft.com/office/infopath/2007/PartnerControls"/>
+    <ds:schemaRef ds:uri="71af3243-3dd4-4a8d-8c0d-dd76da1f02a5"/>
+  </ds:schemaRefs>
+</ds:datastoreItem>
+</file>
+
 <file path=customXml/itemProps3.xml><?xml version="1.0" encoding="utf-8"?>
 <ds:datastoreItem xmlns:ds="http://schemas.openxmlformats.org/officeDocument/2006/customXml" ds:itemID="{05D99ABA-76CE-4A8E-B5F0-C051B96628DE}">
   <ds:schemaRefs>
